--- a/cpp_share.pptx
+++ b/cpp_share.pptx
@@ -13,6 +13,9 @@
     <p:sldId id="263" r:id="rId7"/>
     <p:sldId id="264" r:id="rId8"/>
     <p:sldId id="265" r:id="rId9"/>
+    <p:sldId id="266" r:id="rId10"/>
+    <p:sldId id="267" r:id="rId11"/>
+    <p:sldId id="268" r:id="rId12"/>
   </p:sldIdLst>
   <p:sldSz cx="12192000" cy="6858000"/>
   <p:notesSz cx="6858000" cy="9144000"/>
@@ -111,6 +114,11 @@
       </a:defRPr>
     </a:lvl9pPr>
   </p:defaultTextStyle>
+  <p:extLst>
+    <p:ext uri="{EFAFB233-063F-42B5-8137-9DF3F51BA10A}">
+      <p15:sldGuideLst xmlns:p15="http://schemas.microsoft.com/office/powerpoint/2012/main"/>
+    </p:ext>
+  </p:extLst>
 </p:presentation>
 </file>
 
@@ -261,7 +269,7 @@
           <a:p>
             <a:fld id="{D3F75EBB-5E2F-4EE1-95A0-A020A5BF29E2}" type="datetimeFigureOut">
               <a:rPr lang="en-US" smtClean="0"/>
-              <a:t>8/12/2024</a:t>
+              <a:t>8/15/2024</a:t>
             </a:fld>
             <a:endParaRPr lang="en-US"/>
           </a:p>
@@ -459,7 +467,7 @@
           <a:p>
             <a:fld id="{D3F75EBB-5E2F-4EE1-95A0-A020A5BF29E2}" type="datetimeFigureOut">
               <a:rPr lang="en-US" smtClean="0"/>
-              <a:t>8/12/2024</a:t>
+              <a:t>8/15/2024</a:t>
             </a:fld>
             <a:endParaRPr lang="en-US"/>
           </a:p>
@@ -667,7 +675,7 @@
           <a:p>
             <a:fld id="{D3F75EBB-5E2F-4EE1-95A0-A020A5BF29E2}" type="datetimeFigureOut">
               <a:rPr lang="en-US" smtClean="0"/>
-              <a:t>8/12/2024</a:t>
+              <a:t>8/15/2024</a:t>
             </a:fld>
             <a:endParaRPr lang="en-US"/>
           </a:p>
@@ -865,7 +873,7 @@
           <a:p>
             <a:fld id="{D3F75EBB-5E2F-4EE1-95A0-A020A5BF29E2}" type="datetimeFigureOut">
               <a:rPr lang="en-US" smtClean="0"/>
-              <a:t>8/12/2024</a:t>
+              <a:t>8/15/2024</a:t>
             </a:fld>
             <a:endParaRPr lang="en-US"/>
           </a:p>
@@ -1140,7 +1148,7 @@
           <a:p>
             <a:fld id="{D3F75EBB-5E2F-4EE1-95A0-A020A5BF29E2}" type="datetimeFigureOut">
               <a:rPr lang="en-US" smtClean="0"/>
-              <a:t>8/12/2024</a:t>
+              <a:t>8/15/2024</a:t>
             </a:fld>
             <a:endParaRPr lang="en-US"/>
           </a:p>
@@ -1405,7 +1413,7 @@
           <a:p>
             <a:fld id="{D3F75EBB-5E2F-4EE1-95A0-A020A5BF29E2}" type="datetimeFigureOut">
               <a:rPr lang="en-US" smtClean="0"/>
-              <a:t>8/12/2024</a:t>
+              <a:t>8/15/2024</a:t>
             </a:fld>
             <a:endParaRPr lang="en-US"/>
           </a:p>
@@ -1817,7 +1825,7 @@
           <a:p>
             <a:fld id="{D3F75EBB-5E2F-4EE1-95A0-A020A5BF29E2}" type="datetimeFigureOut">
               <a:rPr lang="en-US" smtClean="0"/>
-              <a:t>8/12/2024</a:t>
+              <a:t>8/15/2024</a:t>
             </a:fld>
             <a:endParaRPr lang="en-US"/>
           </a:p>
@@ -1958,7 +1966,7 @@
           <a:p>
             <a:fld id="{D3F75EBB-5E2F-4EE1-95A0-A020A5BF29E2}" type="datetimeFigureOut">
               <a:rPr lang="en-US" smtClean="0"/>
-              <a:t>8/12/2024</a:t>
+              <a:t>8/15/2024</a:t>
             </a:fld>
             <a:endParaRPr lang="en-US"/>
           </a:p>
@@ -2071,7 +2079,7 @@
           <a:p>
             <a:fld id="{D3F75EBB-5E2F-4EE1-95A0-A020A5BF29E2}" type="datetimeFigureOut">
               <a:rPr lang="en-US" smtClean="0"/>
-              <a:t>8/12/2024</a:t>
+              <a:t>8/15/2024</a:t>
             </a:fld>
             <a:endParaRPr lang="en-US"/>
           </a:p>
@@ -2382,7 +2390,7 @@
           <a:p>
             <a:fld id="{D3F75EBB-5E2F-4EE1-95A0-A020A5BF29E2}" type="datetimeFigureOut">
               <a:rPr lang="en-US" smtClean="0"/>
-              <a:t>8/12/2024</a:t>
+              <a:t>8/15/2024</a:t>
             </a:fld>
             <a:endParaRPr lang="en-US"/>
           </a:p>
@@ -2670,7 +2678,7 @@
           <a:p>
             <a:fld id="{D3F75EBB-5E2F-4EE1-95A0-A020A5BF29E2}" type="datetimeFigureOut">
               <a:rPr lang="en-US" smtClean="0"/>
-              <a:t>8/12/2024</a:t>
+              <a:t>8/15/2024</a:t>
             </a:fld>
             <a:endParaRPr lang="en-US"/>
           </a:p>
@@ -2911,7 +2919,7 @@
           <a:p>
             <a:fld id="{D3F75EBB-5E2F-4EE1-95A0-A020A5BF29E2}" type="datetimeFigureOut">
               <a:rPr lang="en-US" smtClean="0"/>
-              <a:t>8/12/2024</a:t>
+              <a:t>8/15/2024</a:t>
             </a:fld>
             <a:endParaRPr lang="en-US"/>
           </a:p>
@@ -3394,6 +3402,1035 @@
 </p:sld>
 </file>
 
+<file path=ppt/slides/slide10.xml><?xml version="1.0" encoding="utf-8"?>
+<p:sld xmlns:a="http://schemas.openxmlformats.org/drawingml/2006/main" xmlns:r="http://schemas.openxmlformats.org/officeDocument/2006/relationships" xmlns:p="http://schemas.openxmlformats.org/presentationml/2006/main">
+  <p:cSld>
+    <p:spTree>
+      <p:nvGrpSpPr>
+        <p:cNvPr id="1" name=""/>
+        <p:cNvGrpSpPr/>
+        <p:nvPr/>
+      </p:nvGrpSpPr>
+      <p:grpSpPr>
+        <a:xfrm>
+          <a:off x="0" y="0"/>
+          <a:ext cx="0" cy="0"/>
+          <a:chOff x="0" y="0"/>
+          <a:chExt cx="0" cy="0"/>
+        </a:xfrm>
+      </p:grpSpPr>
+      <p:sp>
+        <p:nvSpPr>
+          <p:cNvPr id="4" name="TextBox 3">
+            <a:extLst>
+              <a:ext uri="{FF2B5EF4-FFF2-40B4-BE49-F238E27FC236}">
+                <a16:creationId xmlns:a16="http://schemas.microsoft.com/office/drawing/2014/main" id="{5853D457-0DAF-2C41-5009-17A6DBC93FBB}"/>
+              </a:ext>
+            </a:extLst>
+          </p:cNvPr>
+          <p:cNvSpPr txBox="1"/>
+          <p:nvPr/>
+        </p:nvSpPr>
+        <p:spPr>
+          <a:xfrm>
+            <a:off x="1010647" y="2267235"/>
+            <a:ext cx="5737276" cy="307777"/>
+          </a:xfrm>
+          <a:prstGeom prst="rect">
+            <a:avLst/>
+          </a:prstGeom>
+          <a:noFill/>
+        </p:spPr>
+        <p:txBody>
+          <a:bodyPr wrap="none" rtlCol="0">
+            <a:spAutoFit/>
+          </a:bodyPr>
+          <a:lstStyle/>
+          <a:p>
+            <a:pPr marL="285750" indent="-285750">
+              <a:buFont typeface="Arial" panose="020B0604020202020204" pitchFamily="34" charset="0"/>
+              <a:buChar char="•"/>
+            </a:pPr>
+            <a:r>
+              <a:rPr lang="zh-CN" altLang="en-US" sz="1400" dirty="0"/>
+              <a:t>数组无法被拷贝，也不能作为函数的参数（实际上传递的是地址）</a:t>
+            </a:r>
+            <a:endParaRPr lang="en-US" sz="1400" dirty="0"/>
+          </a:p>
+        </p:txBody>
+      </p:sp>
+      <p:sp>
+        <p:nvSpPr>
+          <p:cNvPr id="5" name="TextBox 4">
+            <a:extLst>
+              <a:ext uri="{FF2B5EF4-FFF2-40B4-BE49-F238E27FC236}">
+                <a16:creationId xmlns:a16="http://schemas.microsoft.com/office/drawing/2014/main" id="{7F1C73AC-E640-22E7-7130-00F0BC52295C}"/>
+              </a:ext>
+            </a:extLst>
+          </p:cNvPr>
+          <p:cNvSpPr txBox="1"/>
+          <p:nvPr/>
+        </p:nvSpPr>
+        <p:spPr>
+          <a:xfrm>
+            <a:off x="1010647" y="1856271"/>
+            <a:ext cx="6146234" cy="307777"/>
+          </a:xfrm>
+          <a:prstGeom prst="rect">
+            <a:avLst/>
+          </a:prstGeom>
+          <a:noFill/>
+        </p:spPr>
+        <p:txBody>
+          <a:bodyPr wrap="none" rtlCol="0">
+            <a:spAutoFit/>
+          </a:bodyPr>
+          <a:lstStyle/>
+          <a:p>
+            <a:pPr marL="285750" indent="-285750">
+              <a:buFont typeface="Arial" panose="020B0604020202020204" pitchFamily="34" charset="0"/>
+              <a:buChar char="•"/>
+            </a:pPr>
+            <a:r>
+              <a:rPr lang="zh-CN" altLang="en-US" sz="1400" b="1" dirty="0"/>
+              <a:t>编译器不检查数组越界访问行为，越界访问数组会导致不可预知的行为</a:t>
+            </a:r>
+            <a:endParaRPr lang="en-US" sz="1400" b="1" dirty="0"/>
+          </a:p>
+        </p:txBody>
+      </p:sp>
+      <p:sp>
+        <p:nvSpPr>
+          <p:cNvPr id="8" name="TextBox 7">
+            <a:extLst>
+              <a:ext uri="{FF2B5EF4-FFF2-40B4-BE49-F238E27FC236}">
+                <a16:creationId xmlns:a16="http://schemas.microsoft.com/office/drawing/2014/main" id="{BAFED68F-5EA1-A3F0-6F97-AFA62A21C641}"/>
+              </a:ext>
+            </a:extLst>
+          </p:cNvPr>
+          <p:cNvSpPr txBox="1"/>
+          <p:nvPr/>
+        </p:nvSpPr>
+        <p:spPr>
+          <a:xfrm>
+            <a:off x="1010647" y="1445307"/>
+            <a:ext cx="6038833" cy="307777"/>
+          </a:xfrm>
+          <a:prstGeom prst="rect">
+            <a:avLst/>
+          </a:prstGeom>
+          <a:noFill/>
+        </p:spPr>
+        <p:txBody>
+          <a:bodyPr wrap="none" rtlCol="0">
+            <a:spAutoFit/>
+          </a:bodyPr>
+          <a:lstStyle/>
+          <a:p>
+            <a:pPr marL="285750" indent="-285750">
+              <a:buFont typeface="Arial" panose="020B0604020202020204" pitchFamily="34" charset="0"/>
+              <a:buChar char="•"/>
+            </a:pPr>
+            <a:r>
+              <a:rPr lang="zh-CN" altLang="en-US" sz="1400" dirty="0"/>
+              <a:t>在局部作用域中声明的数组如果没初始化，其值是未定义的（随机值）</a:t>
+            </a:r>
+            <a:endParaRPr lang="en-US" sz="1400" dirty="0"/>
+          </a:p>
+        </p:txBody>
+      </p:sp>
+      <p:sp>
+        <p:nvSpPr>
+          <p:cNvPr id="9" name="TextBox 8">
+            <a:extLst>
+              <a:ext uri="{FF2B5EF4-FFF2-40B4-BE49-F238E27FC236}">
+                <a16:creationId xmlns:a16="http://schemas.microsoft.com/office/drawing/2014/main" id="{39EE6066-2631-415D-5844-699058D52D31}"/>
+              </a:ext>
+            </a:extLst>
+          </p:cNvPr>
+          <p:cNvSpPr txBox="1"/>
+          <p:nvPr/>
+        </p:nvSpPr>
+        <p:spPr>
+          <a:xfrm>
+            <a:off x="1010647" y="2678199"/>
+            <a:ext cx="5141151" cy="307777"/>
+          </a:xfrm>
+          <a:prstGeom prst="rect">
+            <a:avLst/>
+          </a:prstGeom>
+          <a:noFill/>
+        </p:spPr>
+        <p:txBody>
+          <a:bodyPr wrap="none" rtlCol="0">
+            <a:spAutoFit/>
+          </a:bodyPr>
+          <a:lstStyle/>
+          <a:p>
+            <a:pPr marL="285750" indent="-285750">
+              <a:buFont typeface="Arial" panose="020B0604020202020204" pitchFamily="34" charset="0"/>
+              <a:buChar char="•"/>
+            </a:pPr>
+            <a:r>
+              <a:rPr lang="zh-CN" altLang="en-US" sz="1400" dirty="0"/>
+              <a:t>数组名在大多数情况下会被隐式转换为指向其首元素的指针</a:t>
+            </a:r>
+            <a:endParaRPr lang="en-US" sz="1400" dirty="0"/>
+          </a:p>
+        </p:txBody>
+      </p:sp>
+      <p:pic>
+        <p:nvPicPr>
+          <p:cNvPr id="11" name="Picture 10">
+            <a:extLst>
+              <a:ext uri="{FF2B5EF4-FFF2-40B4-BE49-F238E27FC236}">
+                <a16:creationId xmlns:a16="http://schemas.microsoft.com/office/drawing/2014/main" id="{16CC21FA-6C1C-72E8-3383-5B9104A4147D}"/>
+              </a:ext>
+            </a:extLst>
+          </p:cNvPr>
+          <p:cNvPicPr>
+            <a:picLocks noChangeAspect="1"/>
+          </p:cNvPicPr>
+          <p:nvPr/>
+        </p:nvPicPr>
+        <p:blipFill>
+          <a:blip r:embed="rId2"/>
+          <a:stretch>
+            <a:fillRect/>
+          </a:stretch>
+        </p:blipFill>
+        <p:spPr>
+          <a:xfrm>
+            <a:off x="1138234" y="3182350"/>
+            <a:ext cx="3562847" cy="2867425"/>
+          </a:xfrm>
+          <a:prstGeom prst="rect">
+            <a:avLst/>
+          </a:prstGeom>
+        </p:spPr>
+      </p:pic>
+      <p:pic>
+        <p:nvPicPr>
+          <p:cNvPr id="13" name="Picture 12">
+            <a:extLst>
+              <a:ext uri="{FF2B5EF4-FFF2-40B4-BE49-F238E27FC236}">
+                <a16:creationId xmlns:a16="http://schemas.microsoft.com/office/drawing/2014/main" id="{0695566C-925C-3181-638F-B472F29D18F5}"/>
+              </a:ext>
+            </a:extLst>
+          </p:cNvPr>
+          <p:cNvPicPr>
+            <a:picLocks noChangeAspect="1"/>
+          </p:cNvPicPr>
+          <p:nvPr/>
+        </p:nvPicPr>
+        <p:blipFill>
+          <a:blip r:embed="rId3"/>
+          <a:stretch>
+            <a:fillRect/>
+          </a:stretch>
+        </p:blipFill>
+        <p:spPr>
+          <a:xfrm>
+            <a:off x="4906394" y="3182350"/>
+            <a:ext cx="3305636" cy="2076740"/>
+          </a:xfrm>
+          <a:prstGeom prst="rect">
+            <a:avLst/>
+          </a:prstGeom>
+        </p:spPr>
+      </p:pic>
+      <p:sp>
+        <p:nvSpPr>
+          <p:cNvPr id="14" name="TextBox 13">
+            <a:extLst>
+              <a:ext uri="{FF2B5EF4-FFF2-40B4-BE49-F238E27FC236}">
+                <a16:creationId xmlns:a16="http://schemas.microsoft.com/office/drawing/2014/main" id="{D699B076-8553-123A-1BC3-8192660E0905}"/>
+              </a:ext>
+            </a:extLst>
+          </p:cNvPr>
+          <p:cNvSpPr txBox="1"/>
+          <p:nvPr/>
+        </p:nvSpPr>
+        <p:spPr>
+          <a:xfrm>
+            <a:off x="439153" y="348916"/>
+            <a:ext cx="1415772" cy="461665"/>
+          </a:xfrm>
+          <a:prstGeom prst="rect">
+            <a:avLst/>
+          </a:prstGeom>
+          <a:noFill/>
+        </p:spPr>
+        <p:txBody>
+          <a:bodyPr wrap="none" rtlCol="0">
+            <a:spAutoFit/>
+          </a:bodyPr>
+          <a:lstStyle/>
+          <a:p>
+            <a:r>
+              <a:rPr lang="zh-CN" altLang="en-US" sz="2400" dirty="0"/>
+              <a:t>复合类型</a:t>
+            </a:r>
+            <a:endParaRPr lang="en-US" sz="2400" dirty="0"/>
+          </a:p>
+        </p:txBody>
+      </p:sp>
+      <p:sp>
+        <p:nvSpPr>
+          <p:cNvPr id="16" name="TextBox 15">
+            <a:extLst>
+              <a:ext uri="{FF2B5EF4-FFF2-40B4-BE49-F238E27FC236}">
+                <a16:creationId xmlns:a16="http://schemas.microsoft.com/office/drawing/2014/main" id="{60986F58-30F4-E04C-BD76-3522535562A9}"/>
+              </a:ext>
+            </a:extLst>
+          </p:cNvPr>
+          <p:cNvSpPr txBox="1"/>
+          <p:nvPr/>
+        </p:nvSpPr>
+        <p:spPr>
+          <a:xfrm>
+            <a:off x="956510" y="1004635"/>
+            <a:ext cx="2723823" cy="369332"/>
+          </a:xfrm>
+          <a:prstGeom prst="rect">
+            <a:avLst/>
+          </a:prstGeom>
+          <a:noFill/>
+        </p:spPr>
+        <p:txBody>
+          <a:bodyPr wrap="none" rtlCol="0">
+            <a:spAutoFit/>
+          </a:bodyPr>
+          <a:lstStyle/>
+          <a:p>
+            <a:r>
+              <a:rPr lang="zh-CN" altLang="en-US" b="1" dirty="0"/>
+              <a:t>使用数组需要注意的问题</a:t>
+            </a:r>
+            <a:endParaRPr lang="en-US" b="1" dirty="0"/>
+          </a:p>
+        </p:txBody>
+      </p:sp>
+    </p:spTree>
+    <p:extLst>
+      <p:ext uri="{BB962C8B-B14F-4D97-AF65-F5344CB8AC3E}">
+        <p14:creationId xmlns:p14="http://schemas.microsoft.com/office/powerpoint/2010/main" val="1827007272"/>
+      </p:ext>
+    </p:extLst>
+  </p:cSld>
+  <p:clrMapOvr>
+    <a:masterClrMapping/>
+  </p:clrMapOvr>
+</p:sld>
+</file>
+
+<file path=ppt/slides/slide11.xml><?xml version="1.0" encoding="utf-8"?>
+<p:sld xmlns:a="http://schemas.openxmlformats.org/drawingml/2006/main" xmlns:r="http://schemas.openxmlformats.org/officeDocument/2006/relationships" xmlns:p="http://schemas.openxmlformats.org/presentationml/2006/main">
+  <p:cSld>
+    <p:spTree>
+      <p:nvGrpSpPr>
+        <p:cNvPr id="1" name=""/>
+        <p:cNvGrpSpPr/>
+        <p:nvPr/>
+      </p:nvGrpSpPr>
+      <p:grpSpPr>
+        <a:xfrm>
+          <a:off x="0" y="0"/>
+          <a:ext cx="0" cy="0"/>
+          <a:chOff x="0" y="0"/>
+          <a:chExt cx="0" cy="0"/>
+        </a:xfrm>
+      </p:grpSpPr>
+      <p:sp>
+        <p:nvSpPr>
+          <p:cNvPr id="6" name="TextBox 5">
+            <a:extLst>
+              <a:ext uri="{FF2B5EF4-FFF2-40B4-BE49-F238E27FC236}">
+                <a16:creationId xmlns:a16="http://schemas.microsoft.com/office/drawing/2014/main" id="{3740C595-DA82-53D9-6193-8F30FCEBBD2D}"/>
+              </a:ext>
+            </a:extLst>
+          </p:cNvPr>
+          <p:cNvSpPr txBox="1"/>
+          <p:nvPr/>
+        </p:nvSpPr>
+        <p:spPr>
+          <a:xfrm>
+            <a:off x="439153" y="348916"/>
+            <a:ext cx="1415772" cy="461665"/>
+          </a:xfrm>
+          <a:prstGeom prst="rect">
+            <a:avLst/>
+          </a:prstGeom>
+          <a:noFill/>
+        </p:spPr>
+        <p:txBody>
+          <a:bodyPr wrap="none" rtlCol="0">
+            <a:spAutoFit/>
+          </a:bodyPr>
+          <a:lstStyle/>
+          <a:p>
+            <a:r>
+              <a:rPr lang="zh-CN" altLang="en-US" sz="2400" dirty="0"/>
+              <a:t>复合类型</a:t>
+            </a:r>
+            <a:endParaRPr lang="en-US" sz="2400" dirty="0"/>
+          </a:p>
+        </p:txBody>
+      </p:sp>
+      <p:sp>
+        <p:nvSpPr>
+          <p:cNvPr id="10" name="TextBox 9">
+            <a:extLst>
+              <a:ext uri="{FF2B5EF4-FFF2-40B4-BE49-F238E27FC236}">
+                <a16:creationId xmlns:a16="http://schemas.microsoft.com/office/drawing/2014/main" id="{1512328E-39B1-0105-6BB8-B876CAB730A5}"/>
+              </a:ext>
+            </a:extLst>
+          </p:cNvPr>
+          <p:cNvSpPr txBox="1"/>
+          <p:nvPr/>
+        </p:nvSpPr>
+        <p:spPr>
+          <a:xfrm>
+            <a:off x="956510" y="1004635"/>
+            <a:ext cx="4730782" cy="369332"/>
+          </a:xfrm>
+          <a:prstGeom prst="rect">
+            <a:avLst/>
+          </a:prstGeom>
+          <a:noFill/>
+        </p:spPr>
+        <p:txBody>
+          <a:bodyPr wrap="none" rtlCol="0">
+            <a:spAutoFit/>
+          </a:bodyPr>
+          <a:lstStyle/>
+          <a:p>
+            <a:r>
+              <a:rPr lang="zh-CN" altLang="en-US" b="1" dirty="0"/>
+              <a:t>字符串（</a:t>
+            </a:r>
+            <a:r>
+              <a:rPr lang="en-US" altLang="zh-CN" b="1" dirty="0"/>
+              <a:t>C </a:t>
+            </a:r>
+            <a:r>
+              <a:rPr lang="zh-CN" altLang="en-US" b="1" dirty="0"/>
+              <a:t>风格字符串和 </a:t>
+            </a:r>
+            <a:r>
+              <a:rPr lang="en-US" altLang="zh-CN" b="1" dirty="0">
+                <a:latin typeface="Consolas" panose="020B0609020204030204" pitchFamily="49" charset="0"/>
+              </a:rPr>
+              <a:t>std::string </a:t>
+            </a:r>
+            <a:r>
+              <a:rPr lang="zh-CN" altLang="en-US" b="1" dirty="0"/>
+              <a:t>类）</a:t>
+            </a:r>
+            <a:endParaRPr lang="en-US" b="1" dirty="0"/>
+          </a:p>
+        </p:txBody>
+      </p:sp>
+      <p:sp>
+        <p:nvSpPr>
+          <p:cNvPr id="12" name="TextBox 11">
+            <a:extLst>
+              <a:ext uri="{FF2B5EF4-FFF2-40B4-BE49-F238E27FC236}">
+                <a16:creationId xmlns:a16="http://schemas.microsoft.com/office/drawing/2014/main" id="{4DA7A1C4-1966-6789-2DE8-E516F91EA1FF}"/>
+              </a:ext>
+            </a:extLst>
+          </p:cNvPr>
+          <p:cNvSpPr txBox="1"/>
+          <p:nvPr/>
+        </p:nvSpPr>
+        <p:spPr>
+          <a:xfrm>
+            <a:off x="1046747" y="1568021"/>
+            <a:ext cx="1685077" cy="338554"/>
+          </a:xfrm>
+          <a:prstGeom prst="rect">
+            <a:avLst/>
+          </a:prstGeom>
+          <a:noFill/>
+        </p:spPr>
+        <p:txBody>
+          <a:bodyPr wrap="none" rtlCol="0">
+            <a:spAutoFit/>
+          </a:bodyPr>
+          <a:lstStyle/>
+          <a:p>
+            <a:pPr marL="285750" indent="-285750">
+              <a:buFont typeface="Arial" panose="020B0604020202020204" pitchFamily="34" charset="0"/>
+              <a:buChar char="•"/>
+            </a:pPr>
+            <a:r>
+              <a:rPr lang="en-US" sz="1600" b="1" dirty="0"/>
+              <a:t>C </a:t>
+            </a:r>
+            <a:r>
+              <a:rPr lang="zh-CN" altLang="en-US" sz="1600" b="1" dirty="0"/>
+              <a:t>风格字符串</a:t>
+            </a:r>
+            <a:endParaRPr lang="en-US" sz="1600" b="1" dirty="0"/>
+          </a:p>
+        </p:txBody>
+      </p:sp>
+      <p:sp>
+        <p:nvSpPr>
+          <p:cNvPr id="14" name="TextBox 13">
+            <a:extLst>
+              <a:ext uri="{FF2B5EF4-FFF2-40B4-BE49-F238E27FC236}">
+                <a16:creationId xmlns:a16="http://schemas.microsoft.com/office/drawing/2014/main" id="{7469806D-75F1-AE7C-A52E-5FE66B9BEDEF}"/>
+              </a:ext>
+            </a:extLst>
+          </p:cNvPr>
+          <p:cNvSpPr txBox="1"/>
+          <p:nvPr/>
+        </p:nvSpPr>
+        <p:spPr>
+          <a:xfrm>
+            <a:off x="1353880" y="1946740"/>
+            <a:ext cx="5524269" cy="307777"/>
+          </a:xfrm>
+          <a:prstGeom prst="rect">
+            <a:avLst/>
+          </a:prstGeom>
+          <a:noFill/>
+        </p:spPr>
+        <p:txBody>
+          <a:bodyPr wrap="none" rtlCol="0">
+            <a:spAutoFit/>
+          </a:bodyPr>
+          <a:lstStyle/>
+          <a:p>
+            <a:r>
+              <a:rPr lang="zh-CN" altLang="en-US" sz="1400" dirty="0"/>
+              <a:t>使用一个以空字符</a:t>
+            </a:r>
+            <a:r>
+              <a:rPr lang="en-US" altLang="zh-CN" sz="1400" dirty="0">
+                <a:latin typeface="Consolas" panose="020B0609020204030204" pitchFamily="49" charset="0"/>
+              </a:rPr>
+              <a:t>`\0`</a:t>
+            </a:r>
+            <a:r>
+              <a:rPr lang="zh-CN" altLang="en-US" sz="1400" dirty="0"/>
+              <a:t>结尾的字符数组（即 </a:t>
+            </a:r>
+            <a:r>
+              <a:rPr lang="en-US" altLang="zh-CN" sz="1400" dirty="0">
+                <a:latin typeface="Consolas" panose="020B0609020204030204" pitchFamily="49" charset="0"/>
+              </a:rPr>
+              <a:t>char[]</a:t>
+            </a:r>
+            <a:r>
+              <a:rPr lang="zh-CN" altLang="en-US" sz="1400" dirty="0"/>
+              <a:t>）来表示字符串</a:t>
+            </a:r>
+            <a:endParaRPr lang="en-US" sz="1400" dirty="0"/>
+          </a:p>
+        </p:txBody>
+      </p:sp>
+      <p:sp>
+        <p:nvSpPr>
+          <p:cNvPr id="16" name="TextBox 15">
+            <a:extLst>
+              <a:ext uri="{FF2B5EF4-FFF2-40B4-BE49-F238E27FC236}">
+                <a16:creationId xmlns:a16="http://schemas.microsoft.com/office/drawing/2014/main" id="{FD0168AE-3EB3-463A-BC2A-6A1A7FCBBCB1}"/>
+              </a:ext>
+            </a:extLst>
+          </p:cNvPr>
+          <p:cNvSpPr txBox="1"/>
+          <p:nvPr/>
+        </p:nvSpPr>
+        <p:spPr>
+          <a:xfrm>
+            <a:off x="1353880" y="2317900"/>
+            <a:ext cx="6097002" cy="307777"/>
+          </a:xfrm>
+          <a:prstGeom prst="rect">
+            <a:avLst/>
+          </a:prstGeom>
+          <a:noFill/>
+        </p:spPr>
+        <p:txBody>
+          <a:bodyPr wrap="square">
+            <a:spAutoFit/>
+          </a:bodyPr>
+          <a:lstStyle/>
+          <a:p>
+            <a:r>
+              <a:rPr lang="en-US" sz="1400" b="0" dirty="0">
+                <a:solidFill>
+                  <a:srgbClr val="0000FF"/>
+                </a:solidFill>
+                <a:effectLst/>
+                <a:highlight>
+                  <a:srgbClr val="FFFFFF"/>
+                </a:highlight>
+                <a:latin typeface="Consolas" panose="020B0609020204030204" pitchFamily="49" charset="0"/>
+              </a:rPr>
+              <a:t>const</a:t>
+            </a:r>
+            <a:r>
+              <a:rPr lang="en-US" sz="1400" b="0" dirty="0">
+                <a:solidFill>
+                  <a:srgbClr val="000000"/>
+                </a:solidFill>
+                <a:effectLst/>
+                <a:highlight>
+                  <a:srgbClr val="FFFFFF"/>
+                </a:highlight>
+                <a:latin typeface="Consolas" panose="020B0609020204030204" pitchFamily="49" charset="0"/>
+              </a:rPr>
+              <a:t> </a:t>
+            </a:r>
+            <a:r>
+              <a:rPr lang="en-US" sz="1400" b="0" dirty="0">
+                <a:solidFill>
+                  <a:srgbClr val="0000FF"/>
+                </a:solidFill>
+                <a:effectLst/>
+                <a:highlight>
+                  <a:srgbClr val="FFFFFF"/>
+                </a:highlight>
+                <a:latin typeface="Consolas" panose="020B0609020204030204" pitchFamily="49" charset="0"/>
+              </a:rPr>
+              <a:t>char</a:t>
+            </a:r>
+            <a:r>
+              <a:rPr lang="en-US" sz="1400" b="0" dirty="0">
+                <a:solidFill>
+                  <a:srgbClr val="000000"/>
+                </a:solidFill>
+                <a:effectLst/>
+                <a:highlight>
+                  <a:srgbClr val="FFFFFF"/>
+                </a:highlight>
+                <a:latin typeface="Consolas" panose="020B0609020204030204" pitchFamily="49" charset="0"/>
+              </a:rPr>
+              <a:t> str[] = </a:t>
+            </a:r>
+            <a:r>
+              <a:rPr lang="en-US" sz="1400" b="0" dirty="0">
+                <a:solidFill>
+                  <a:srgbClr val="A31515"/>
+                </a:solidFill>
+                <a:effectLst/>
+                <a:highlight>
+                  <a:srgbClr val="FFFFFF"/>
+                </a:highlight>
+                <a:latin typeface="Consolas" panose="020B0609020204030204" pitchFamily="49" charset="0"/>
+              </a:rPr>
+              <a:t>“hello world”</a:t>
+            </a:r>
+            <a:r>
+              <a:rPr lang="en-US" sz="1400" dirty="0">
+                <a:solidFill>
+                  <a:srgbClr val="000000"/>
+                </a:solidFill>
+                <a:highlight>
+                  <a:srgbClr val="FFFFFF"/>
+                </a:highlight>
+                <a:latin typeface="Consolas" panose="020B0609020204030204" pitchFamily="49" charset="0"/>
+              </a:rPr>
+              <a:t>;</a:t>
+            </a:r>
+            <a:endParaRPr lang="en-US" sz="1400" b="0" dirty="0">
+              <a:solidFill>
+                <a:srgbClr val="000000"/>
+              </a:solidFill>
+              <a:effectLst/>
+              <a:highlight>
+                <a:srgbClr val="FFFFFF"/>
+              </a:highlight>
+              <a:latin typeface="Consolas" panose="020B0609020204030204" pitchFamily="49" charset="0"/>
+            </a:endParaRPr>
+          </a:p>
+        </p:txBody>
+      </p:sp>
+      <p:sp>
+        <p:nvSpPr>
+          <p:cNvPr id="18" name="TextBox 17">
+            <a:extLst>
+              <a:ext uri="{FF2B5EF4-FFF2-40B4-BE49-F238E27FC236}">
+                <a16:creationId xmlns:a16="http://schemas.microsoft.com/office/drawing/2014/main" id="{4C480966-97CD-0E80-DB1E-7F6B82811E1F}"/>
+              </a:ext>
+            </a:extLst>
+          </p:cNvPr>
+          <p:cNvSpPr txBox="1"/>
+          <p:nvPr/>
+        </p:nvSpPr>
+        <p:spPr>
+          <a:xfrm>
+            <a:off x="1353880" y="2652967"/>
+            <a:ext cx="6097002" cy="307777"/>
+          </a:xfrm>
+          <a:prstGeom prst="rect">
+            <a:avLst/>
+          </a:prstGeom>
+          <a:noFill/>
+        </p:spPr>
+        <p:txBody>
+          <a:bodyPr wrap="square">
+            <a:spAutoFit/>
+          </a:bodyPr>
+          <a:lstStyle/>
+          <a:p>
+            <a:r>
+              <a:rPr lang="it-IT" sz="1400" b="0" dirty="0">
+                <a:solidFill>
+                  <a:srgbClr val="0000FF"/>
+                </a:solidFill>
+                <a:effectLst/>
+                <a:highlight>
+                  <a:srgbClr val="FFFFFF"/>
+                </a:highlight>
+                <a:latin typeface="Consolas" panose="020B0609020204030204" pitchFamily="49" charset="0"/>
+              </a:rPr>
+              <a:t>char</a:t>
+            </a:r>
+            <a:r>
+              <a:rPr lang="it-IT" sz="1400" b="0" dirty="0">
+                <a:solidFill>
+                  <a:srgbClr val="000000"/>
+                </a:solidFill>
+                <a:effectLst/>
+                <a:highlight>
+                  <a:srgbClr val="FFFFFF"/>
+                </a:highlight>
+                <a:latin typeface="Consolas" panose="020B0609020204030204" pitchFamily="49" charset="0"/>
+              </a:rPr>
+              <a:t> str2[</a:t>
+            </a:r>
+            <a:r>
+              <a:rPr lang="it-IT" sz="1400" b="0" dirty="0">
+                <a:solidFill>
+                  <a:srgbClr val="098658"/>
+                </a:solidFill>
+                <a:effectLst/>
+                <a:highlight>
+                  <a:srgbClr val="FFFFFF"/>
+                </a:highlight>
+                <a:latin typeface="Consolas" panose="020B0609020204030204" pitchFamily="49" charset="0"/>
+              </a:rPr>
+              <a:t>6</a:t>
+            </a:r>
+            <a:r>
+              <a:rPr lang="it-IT" sz="1400" b="0" dirty="0">
+                <a:solidFill>
+                  <a:srgbClr val="000000"/>
+                </a:solidFill>
+                <a:effectLst/>
+                <a:highlight>
+                  <a:srgbClr val="FFFFFF"/>
+                </a:highlight>
+                <a:latin typeface="Consolas" panose="020B0609020204030204" pitchFamily="49" charset="0"/>
+              </a:rPr>
+              <a:t>] = {</a:t>
+            </a:r>
+            <a:r>
+              <a:rPr lang="it-IT" sz="1400" b="0" dirty="0">
+                <a:solidFill>
+                  <a:srgbClr val="A31515"/>
+                </a:solidFill>
+                <a:effectLst/>
+                <a:highlight>
+                  <a:srgbClr val="FFFFFF"/>
+                </a:highlight>
+                <a:latin typeface="Consolas" panose="020B0609020204030204" pitchFamily="49" charset="0"/>
+              </a:rPr>
+              <a:t>'h'</a:t>
+            </a:r>
+            <a:r>
+              <a:rPr lang="it-IT" sz="1400" b="0" dirty="0">
+                <a:solidFill>
+                  <a:srgbClr val="000000"/>
+                </a:solidFill>
+                <a:effectLst/>
+                <a:highlight>
+                  <a:srgbClr val="FFFFFF"/>
+                </a:highlight>
+                <a:latin typeface="Consolas" panose="020B0609020204030204" pitchFamily="49" charset="0"/>
+              </a:rPr>
+              <a:t>, </a:t>
+            </a:r>
+            <a:r>
+              <a:rPr lang="it-IT" sz="1400" b="0" dirty="0">
+                <a:solidFill>
+                  <a:srgbClr val="A31515"/>
+                </a:solidFill>
+                <a:effectLst/>
+                <a:highlight>
+                  <a:srgbClr val="FFFFFF"/>
+                </a:highlight>
+                <a:latin typeface="Consolas" panose="020B0609020204030204" pitchFamily="49" charset="0"/>
+              </a:rPr>
+              <a:t>'e'</a:t>
+            </a:r>
+            <a:r>
+              <a:rPr lang="it-IT" sz="1400" b="0" dirty="0">
+                <a:solidFill>
+                  <a:srgbClr val="000000"/>
+                </a:solidFill>
+                <a:effectLst/>
+                <a:highlight>
+                  <a:srgbClr val="FFFFFF"/>
+                </a:highlight>
+                <a:latin typeface="Consolas" panose="020B0609020204030204" pitchFamily="49" charset="0"/>
+              </a:rPr>
+              <a:t>, </a:t>
+            </a:r>
+            <a:r>
+              <a:rPr lang="it-IT" sz="1400" b="0" dirty="0">
+                <a:solidFill>
+                  <a:srgbClr val="A31515"/>
+                </a:solidFill>
+                <a:effectLst/>
+                <a:highlight>
+                  <a:srgbClr val="FFFFFF"/>
+                </a:highlight>
+                <a:latin typeface="Consolas" panose="020B0609020204030204" pitchFamily="49" charset="0"/>
+              </a:rPr>
+              <a:t>'l'</a:t>
+            </a:r>
+            <a:r>
+              <a:rPr lang="it-IT" sz="1400" b="0" dirty="0">
+                <a:solidFill>
+                  <a:srgbClr val="000000"/>
+                </a:solidFill>
+                <a:effectLst/>
+                <a:highlight>
+                  <a:srgbClr val="FFFFFF"/>
+                </a:highlight>
+                <a:latin typeface="Consolas" panose="020B0609020204030204" pitchFamily="49" charset="0"/>
+              </a:rPr>
+              <a:t>, </a:t>
+            </a:r>
+            <a:r>
+              <a:rPr lang="it-IT" sz="1400" b="0" dirty="0">
+                <a:solidFill>
+                  <a:srgbClr val="A31515"/>
+                </a:solidFill>
+                <a:effectLst/>
+                <a:highlight>
+                  <a:srgbClr val="FFFFFF"/>
+                </a:highlight>
+                <a:latin typeface="Consolas" panose="020B0609020204030204" pitchFamily="49" charset="0"/>
+              </a:rPr>
+              <a:t>'l'</a:t>
+            </a:r>
+            <a:r>
+              <a:rPr lang="it-IT" sz="1400" b="0" dirty="0">
+                <a:solidFill>
+                  <a:srgbClr val="000000"/>
+                </a:solidFill>
+                <a:effectLst/>
+                <a:highlight>
+                  <a:srgbClr val="FFFFFF"/>
+                </a:highlight>
+                <a:latin typeface="Consolas" panose="020B0609020204030204" pitchFamily="49" charset="0"/>
+              </a:rPr>
+              <a:t>, </a:t>
+            </a:r>
+            <a:r>
+              <a:rPr lang="it-IT" sz="1400" b="0" dirty="0">
+                <a:solidFill>
+                  <a:srgbClr val="A31515"/>
+                </a:solidFill>
+                <a:effectLst/>
+                <a:highlight>
+                  <a:srgbClr val="FFFFFF"/>
+                </a:highlight>
+                <a:latin typeface="Consolas" panose="020B0609020204030204" pitchFamily="49" charset="0"/>
+              </a:rPr>
+              <a:t>'o'</a:t>
+            </a:r>
+            <a:r>
+              <a:rPr lang="it-IT" sz="1400" b="0" dirty="0">
+                <a:solidFill>
+                  <a:srgbClr val="000000"/>
+                </a:solidFill>
+                <a:effectLst/>
+                <a:highlight>
+                  <a:srgbClr val="FFFFFF"/>
+                </a:highlight>
+                <a:latin typeface="Consolas" panose="020B0609020204030204" pitchFamily="49" charset="0"/>
+              </a:rPr>
+              <a:t>, </a:t>
+            </a:r>
+            <a:r>
+              <a:rPr lang="it-IT" sz="1400" b="0" dirty="0">
+                <a:solidFill>
+                  <a:srgbClr val="A31515"/>
+                </a:solidFill>
+                <a:effectLst/>
+                <a:highlight>
+                  <a:srgbClr val="FFFFFF"/>
+                </a:highlight>
+                <a:latin typeface="Consolas" panose="020B0609020204030204" pitchFamily="49" charset="0"/>
+              </a:rPr>
+              <a:t>'\0'</a:t>
+            </a:r>
+            <a:r>
+              <a:rPr lang="it-IT" sz="1400" b="0" dirty="0">
+                <a:solidFill>
+                  <a:srgbClr val="000000"/>
+                </a:solidFill>
+                <a:effectLst/>
+                <a:highlight>
+                  <a:srgbClr val="FFFFFF"/>
+                </a:highlight>
+                <a:latin typeface="Consolas" panose="020B0609020204030204" pitchFamily="49" charset="0"/>
+              </a:rPr>
+              <a:t>};</a:t>
+            </a:r>
+          </a:p>
+        </p:txBody>
+      </p:sp>
+      <p:sp>
+        <p:nvSpPr>
+          <p:cNvPr id="19" name="TextBox 18">
+            <a:extLst>
+              <a:ext uri="{FF2B5EF4-FFF2-40B4-BE49-F238E27FC236}">
+                <a16:creationId xmlns:a16="http://schemas.microsoft.com/office/drawing/2014/main" id="{DE4DD0F6-7ABE-F601-6689-2037D541ED8E}"/>
+              </a:ext>
+            </a:extLst>
+          </p:cNvPr>
+          <p:cNvSpPr txBox="1"/>
+          <p:nvPr/>
+        </p:nvSpPr>
+        <p:spPr>
+          <a:xfrm>
+            <a:off x="1353880" y="2988034"/>
+            <a:ext cx="6097002" cy="307777"/>
+          </a:xfrm>
+          <a:prstGeom prst="rect">
+            <a:avLst/>
+          </a:prstGeom>
+          <a:noFill/>
+        </p:spPr>
+        <p:txBody>
+          <a:bodyPr wrap="square">
+            <a:spAutoFit/>
+          </a:bodyPr>
+          <a:lstStyle/>
+          <a:p>
+            <a:r>
+              <a:rPr lang="en-US" altLang="zh-CN" sz="1400" b="0" dirty="0">
+                <a:solidFill>
+                  <a:srgbClr val="0000FF"/>
+                </a:solidFill>
+                <a:effectLst/>
+                <a:highlight>
+                  <a:srgbClr val="FFFFFF"/>
+                </a:highlight>
+                <a:latin typeface="Consolas" panose="020B0609020204030204" pitchFamily="49" charset="0"/>
+              </a:rPr>
+              <a:t>const </a:t>
+            </a:r>
+            <a:r>
+              <a:rPr lang="it-IT" sz="1400" b="0" dirty="0">
+                <a:solidFill>
+                  <a:srgbClr val="0000FF"/>
+                </a:solidFill>
+                <a:effectLst/>
+                <a:highlight>
+                  <a:srgbClr val="FFFFFF"/>
+                </a:highlight>
+                <a:latin typeface="Consolas" panose="020B0609020204030204" pitchFamily="49" charset="0"/>
+              </a:rPr>
+              <a:t>char*</a:t>
+            </a:r>
+            <a:r>
+              <a:rPr lang="it-IT" sz="1400" b="0" dirty="0">
+                <a:solidFill>
+                  <a:srgbClr val="000000"/>
+                </a:solidFill>
+                <a:effectLst/>
+                <a:highlight>
+                  <a:srgbClr val="FFFFFF"/>
+                </a:highlight>
+                <a:latin typeface="Consolas" panose="020B0609020204030204" pitchFamily="49" charset="0"/>
+              </a:rPr>
+              <a:t> str</a:t>
+            </a:r>
+            <a:r>
+              <a:rPr lang="it-IT" sz="1400" dirty="0">
+                <a:solidFill>
+                  <a:srgbClr val="000000"/>
+                </a:solidFill>
+                <a:highlight>
+                  <a:srgbClr val="FFFFFF"/>
+                </a:highlight>
+                <a:latin typeface="Consolas" panose="020B0609020204030204" pitchFamily="49" charset="0"/>
+              </a:rPr>
+              <a:t>3</a:t>
+            </a:r>
+            <a:r>
+              <a:rPr lang="it-IT" sz="1400" b="0" dirty="0">
+                <a:solidFill>
+                  <a:srgbClr val="000000"/>
+                </a:solidFill>
+                <a:effectLst/>
+                <a:highlight>
+                  <a:srgbClr val="FFFFFF"/>
+                </a:highlight>
+                <a:latin typeface="Consolas" panose="020B0609020204030204" pitchFamily="49" charset="0"/>
+              </a:rPr>
+              <a:t> = </a:t>
+            </a:r>
+            <a:r>
+              <a:rPr lang="en-US" sz="1400" b="0" dirty="0">
+                <a:solidFill>
+                  <a:srgbClr val="A31515"/>
+                </a:solidFill>
+                <a:effectLst/>
+                <a:highlight>
+                  <a:srgbClr val="FFFFFF"/>
+                </a:highlight>
+                <a:latin typeface="Consolas" panose="020B0609020204030204" pitchFamily="49" charset="0"/>
+              </a:rPr>
+              <a:t>“world”</a:t>
+            </a:r>
+            <a:r>
+              <a:rPr lang="en-US" sz="1400" dirty="0">
+                <a:solidFill>
+                  <a:srgbClr val="000000"/>
+                </a:solidFill>
+                <a:highlight>
+                  <a:srgbClr val="FFFFFF"/>
+                </a:highlight>
+                <a:latin typeface="Consolas" panose="020B0609020204030204" pitchFamily="49" charset="0"/>
+              </a:rPr>
+              <a:t>;</a:t>
+            </a:r>
+            <a:endParaRPr lang="it-IT" sz="1400" b="0" dirty="0">
+              <a:solidFill>
+                <a:srgbClr val="000000"/>
+              </a:solidFill>
+              <a:effectLst/>
+              <a:highlight>
+                <a:srgbClr val="FFFFFF"/>
+              </a:highlight>
+              <a:latin typeface="Consolas" panose="020B0609020204030204" pitchFamily="49" charset="0"/>
+            </a:endParaRPr>
+          </a:p>
+        </p:txBody>
+      </p:sp>
+    </p:spTree>
+    <p:extLst>
+      <p:ext uri="{BB962C8B-B14F-4D97-AF65-F5344CB8AC3E}">
+        <p14:creationId xmlns:p14="http://schemas.microsoft.com/office/powerpoint/2010/main" val="741820889"/>
+      </p:ext>
+    </p:extLst>
+  </p:cSld>
+  <p:clrMapOvr>
+    <a:masterClrMapping/>
+  </p:clrMapOvr>
+</p:sld>
+</file>
+
 <file path=ppt/slides/slide2.xml><?xml version="1.0" encoding="utf-8"?>
 <p:sld xmlns:a="http://schemas.openxmlformats.org/drawingml/2006/main" xmlns:r="http://schemas.openxmlformats.org/officeDocument/2006/relationships" xmlns:p="http://schemas.openxmlformats.org/presentationml/2006/main">
   <p:cSld>
@@ -6951,10 +7988,10 @@
       </p:grpSpPr>
       <p:sp>
         <p:nvSpPr>
-          <p:cNvPr id="2" name="TextBox 1">
-            <a:extLst>
-              <a:ext uri="{FF2B5EF4-FFF2-40B4-BE49-F238E27FC236}">
-                <a16:creationId xmlns:a16="http://schemas.microsoft.com/office/drawing/2014/main" id="{86AE3FA6-A43D-22A3-28AD-1077FE81C03A}"/>
+          <p:cNvPr id="3" name="TextBox 2">
+            <a:extLst>
+              <a:ext uri="{FF2B5EF4-FFF2-40B4-BE49-F238E27FC236}">
+                <a16:creationId xmlns:a16="http://schemas.microsoft.com/office/drawing/2014/main" id="{36555C87-3FA2-7ADA-F06A-3031590A6735}"/>
               </a:ext>
             </a:extLst>
           </p:cNvPr>
@@ -6963,8 +8000,8 @@
         </p:nvSpPr>
         <p:spPr>
           <a:xfrm>
-            <a:off x="439153" y="348916"/>
-            <a:ext cx="2637260" cy="461665"/>
+            <a:off x="956510" y="1004635"/>
+            <a:ext cx="646331" cy="369332"/>
           </a:xfrm>
           <a:prstGeom prst="rect">
             <a:avLst/>
@@ -6978,12 +8015,263 @@
           <a:lstStyle/>
           <a:p>
             <a:r>
-              <a:rPr lang="en-US" altLang="zh-CN" sz="2400" dirty="0"/>
-              <a:t>C++ </a:t>
-            </a:r>
+              <a:rPr lang="zh-CN" altLang="en-US" b="1" dirty="0"/>
+              <a:t>数组</a:t>
+            </a:r>
+            <a:endParaRPr lang="en-US" b="1" dirty="0"/>
+          </a:p>
+        </p:txBody>
+      </p:sp>
+      <p:sp>
+        <p:nvSpPr>
+          <p:cNvPr id="6" name="TextBox 5">
+            <a:extLst>
+              <a:ext uri="{FF2B5EF4-FFF2-40B4-BE49-F238E27FC236}">
+                <a16:creationId xmlns:a16="http://schemas.microsoft.com/office/drawing/2014/main" id="{B6B4F44D-56B0-7EF9-20E3-60283C1BB0C7}"/>
+              </a:ext>
+            </a:extLst>
+          </p:cNvPr>
+          <p:cNvSpPr txBox="1"/>
+          <p:nvPr/>
+        </p:nvSpPr>
+        <p:spPr>
+          <a:xfrm>
+            <a:off x="956510" y="1373967"/>
+            <a:ext cx="5808000" cy="1206036"/>
+          </a:xfrm>
+          <a:prstGeom prst="rect">
+            <a:avLst/>
+          </a:prstGeom>
+          <a:noFill/>
+        </p:spPr>
+        <p:txBody>
+          <a:bodyPr wrap="none" rtlCol="0">
+            <a:spAutoFit/>
+          </a:bodyPr>
+          <a:lstStyle/>
+          <a:p>
+            <a:pPr marL="285750" indent="-285750">
+              <a:lnSpc>
+                <a:spcPct val="150000"/>
+              </a:lnSpc>
+              <a:buFont typeface="Arial" panose="020B0604020202020204" pitchFamily="34" charset="0"/>
+              <a:buChar char="•"/>
+            </a:pPr>
+            <a:r>
+              <a:rPr lang="zh-CN" altLang="en-US" sz="1600" dirty="0"/>
+              <a:t>一块连续的内存区域</a:t>
+            </a:r>
+            <a:endParaRPr lang="en-US" altLang="zh-CN" sz="1600" dirty="0"/>
+          </a:p>
+          <a:p>
+            <a:pPr marL="285750" indent="-285750">
+              <a:lnSpc>
+                <a:spcPct val="150000"/>
+              </a:lnSpc>
+              <a:buFont typeface="Arial" panose="020B0604020202020204" pitchFamily="34" charset="0"/>
+              <a:buChar char="•"/>
+            </a:pPr>
+            <a:r>
+              <a:rPr lang="zh-CN" altLang="en-US" sz="1600" dirty="0"/>
+              <a:t>需要指定元素类型和数组大小，大小必须为一个常量表达式</a:t>
+            </a:r>
+            <a:endParaRPr lang="en-US" altLang="zh-CN" sz="1600" dirty="0"/>
+          </a:p>
+          <a:p>
+            <a:pPr marL="285750" indent="-285750">
+              <a:lnSpc>
+                <a:spcPct val="150000"/>
+              </a:lnSpc>
+              <a:buFont typeface="Arial" panose="020B0604020202020204" pitchFamily="34" charset="0"/>
+              <a:buChar char="•"/>
+            </a:pPr>
+            <a:r>
+              <a:rPr lang="zh-CN" altLang="en-US" sz="1600" dirty="0"/>
+              <a:t>元素类型可以基本数据类型、结构体、类类型等</a:t>
+            </a:r>
+            <a:endParaRPr lang="en-US" sz="1600" dirty="0"/>
+          </a:p>
+        </p:txBody>
+      </p:sp>
+      <p:sp>
+        <p:nvSpPr>
+          <p:cNvPr id="7" name="TextBox 6">
+            <a:extLst>
+              <a:ext uri="{FF2B5EF4-FFF2-40B4-BE49-F238E27FC236}">
+                <a16:creationId xmlns:a16="http://schemas.microsoft.com/office/drawing/2014/main" id="{706D9B34-9114-99E4-9E24-1C654D910BB3}"/>
+              </a:ext>
+            </a:extLst>
+          </p:cNvPr>
+          <p:cNvSpPr txBox="1"/>
+          <p:nvPr/>
+        </p:nvSpPr>
+        <p:spPr>
+          <a:xfrm>
+            <a:off x="956510" y="2675350"/>
+            <a:ext cx="2279791" cy="369332"/>
+          </a:xfrm>
+          <a:prstGeom prst="rect">
+            <a:avLst/>
+          </a:prstGeom>
+          <a:noFill/>
+        </p:spPr>
+        <p:txBody>
+          <a:bodyPr wrap="none" rtlCol="0">
+            <a:spAutoFit/>
+          </a:bodyPr>
+          <a:lstStyle/>
+          <a:p>
+            <a:r>
+              <a:rPr lang="zh-CN" altLang="en-US" b="1" dirty="0"/>
+              <a:t>数组的声明和初始化</a:t>
+            </a:r>
+            <a:endParaRPr lang="en-US" b="1" dirty="0"/>
+          </a:p>
+        </p:txBody>
+      </p:sp>
+      <p:pic>
+        <p:nvPicPr>
+          <p:cNvPr id="11" name="Picture 10">
+            <a:extLst>
+              <a:ext uri="{FF2B5EF4-FFF2-40B4-BE49-F238E27FC236}">
+                <a16:creationId xmlns:a16="http://schemas.microsoft.com/office/drawing/2014/main" id="{106F3583-A1F2-4CE3-F8A1-1DCA7768CF93}"/>
+              </a:ext>
+            </a:extLst>
+          </p:cNvPr>
+          <p:cNvPicPr>
+            <a:picLocks noChangeAspect="1"/>
+          </p:cNvPicPr>
+          <p:nvPr/>
+        </p:nvPicPr>
+        <p:blipFill>
+          <a:blip r:embed="rId2"/>
+          <a:stretch>
+            <a:fillRect/>
+          </a:stretch>
+        </p:blipFill>
+        <p:spPr>
+          <a:xfrm>
+            <a:off x="956509" y="3409551"/>
+            <a:ext cx="5273259" cy="3165704"/>
+          </a:xfrm>
+          <a:prstGeom prst="rect">
+            <a:avLst/>
+          </a:prstGeom>
+        </p:spPr>
+      </p:pic>
+      <p:pic>
+        <p:nvPicPr>
+          <p:cNvPr id="13" name="Picture 12">
+            <a:extLst>
+              <a:ext uri="{FF2B5EF4-FFF2-40B4-BE49-F238E27FC236}">
+                <a16:creationId xmlns:a16="http://schemas.microsoft.com/office/drawing/2014/main" id="{02D07BE8-2466-BEA4-3703-F12AD366E11D}"/>
+              </a:ext>
+            </a:extLst>
+          </p:cNvPr>
+          <p:cNvPicPr>
+            <a:picLocks noChangeAspect="1"/>
+          </p:cNvPicPr>
+          <p:nvPr/>
+        </p:nvPicPr>
+        <p:blipFill>
+          <a:blip r:embed="rId3"/>
+          <a:stretch>
+            <a:fillRect/>
+          </a:stretch>
+        </p:blipFill>
+        <p:spPr>
+          <a:xfrm>
+            <a:off x="6398003" y="3408534"/>
+            <a:ext cx="4172532" cy="2314898"/>
+          </a:xfrm>
+          <a:prstGeom prst="rect">
+            <a:avLst/>
+          </a:prstGeom>
+        </p:spPr>
+      </p:pic>
+      <p:sp>
+        <p:nvSpPr>
+          <p:cNvPr id="14" name="TextBox 13">
+            <a:extLst>
+              <a:ext uri="{FF2B5EF4-FFF2-40B4-BE49-F238E27FC236}">
+                <a16:creationId xmlns:a16="http://schemas.microsoft.com/office/drawing/2014/main" id="{B3D3CC23-CAEF-F57B-A4FA-29C524678EFB}"/>
+              </a:ext>
+            </a:extLst>
+          </p:cNvPr>
+          <p:cNvSpPr txBox="1"/>
+          <p:nvPr/>
+        </p:nvSpPr>
+        <p:spPr>
+          <a:xfrm>
+            <a:off x="1063270" y="3122886"/>
+            <a:ext cx="1079142" cy="307777"/>
+          </a:xfrm>
+          <a:prstGeom prst="rect">
+            <a:avLst/>
+          </a:prstGeom>
+          <a:noFill/>
+        </p:spPr>
+        <p:txBody>
+          <a:bodyPr wrap="none" rtlCol="0">
+            <a:spAutoFit/>
+          </a:bodyPr>
+          <a:lstStyle/>
+          <a:p>
+            <a:r>
+              <a:rPr lang="en-US" altLang="zh-CN" sz="1400" dirty="0">
+                <a:solidFill>
+                  <a:schemeClr val="tx2">
+                    <a:lumMod val="50000"/>
+                    <a:lumOff val="50000"/>
+                  </a:schemeClr>
+                </a:solidFill>
+                <a:latin typeface="Consolas" panose="020B0609020204030204" pitchFamily="49" charset="0"/>
+              </a:rPr>
+              <a:t>array.cpp</a:t>
+            </a:r>
+            <a:endParaRPr lang="en-US" sz="1400" dirty="0">
+              <a:solidFill>
+                <a:schemeClr val="tx2">
+                  <a:lumMod val="50000"/>
+                  <a:lumOff val="50000"/>
+                </a:schemeClr>
+              </a:solidFill>
+              <a:latin typeface="Consolas" panose="020B0609020204030204" pitchFamily="49" charset="0"/>
+            </a:endParaRPr>
+          </a:p>
+        </p:txBody>
+      </p:sp>
+      <p:sp>
+        <p:nvSpPr>
+          <p:cNvPr id="15" name="TextBox 14">
+            <a:extLst>
+              <a:ext uri="{FF2B5EF4-FFF2-40B4-BE49-F238E27FC236}">
+                <a16:creationId xmlns:a16="http://schemas.microsoft.com/office/drawing/2014/main" id="{91D27E5D-67BC-CC6F-4334-74DC399085E2}"/>
+              </a:ext>
+            </a:extLst>
+          </p:cNvPr>
+          <p:cNvSpPr txBox="1"/>
+          <p:nvPr/>
+        </p:nvSpPr>
+        <p:spPr>
+          <a:xfrm>
+            <a:off x="439153" y="348916"/>
+            <a:ext cx="1415772" cy="461665"/>
+          </a:xfrm>
+          <a:prstGeom prst="rect">
+            <a:avLst/>
+          </a:prstGeom>
+          <a:noFill/>
+        </p:spPr>
+        <p:txBody>
+          <a:bodyPr wrap="none" rtlCol="0">
+            <a:spAutoFit/>
+          </a:bodyPr>
+          <a:lstStyle/>
+          <a:p>
             <a:r>
               <a:rPr lang="zh-CN" altLang="en-US" sz="2400" dirty="0"/>
-              <a:t>基本数据类型</a:t>
+              <a:t>复合类型</a:t>
             </a:r>
             <a:endParaRPr lang="en-US" sz="2400" dirty="0"/>
           </a:p>
@@ -6993,6 +8281,264 @@
     <p:extLst>
       <p:ext uri="{BB962C8B-B14F-4D97-AF65-F5344CB8AC3E}">
         <p14:creationId xmlns:p14="http://schemas.microsoft.com/office/powerpoint/2010/main" val="1323227250"/>
+      </p:ext>
+    </p:extLst>
+  </p:cSld>
+  <p:clrMapOvr>
+    <a:masterClrMapping/>
+  </p:clrMapOvr>
+</p:sld>
+</file>
+
+<file path=ppt/slides/slide9.xml><?xml version="1.0" encoding="utf-8"?>
+<p:sld xmlns:a="http://schemas.openxmlformats.org/drawingml/2006/main" xmlns:r="http://schemas.openxmlformats.org/officeDocument/2006/relationships" xmlns:p="http://schemas.openxmlformats.org/presentationml/2006/main">
+  <p:cSld>
+    <p:spTree>
+      <p:nvGrpSpPr>
+        <p:cNvPr id="1" name=""/>
+        <p:cNvGrpSpPr/>
+        <p:nvPr/>
+      </p:nvGrpSpPr>
+      <p:grpSpPr>
+        <a:xfrm>
+          <a:off x="0" y="0"/>
+          <a:ext cx="0" cy="0"/>
+          <a:chOff x="0" y="0"/>
+          <a:chExt cx="0" cy="0"/>
+        </a:xfrm>
+      </p:grpSpPr>
+      <p:sp>
+        <p:nvSpPr>
+          <p:cNvPr id="15" name="TextBox 14">
+            <a:extLst>
+              <a:ext uri="{FF2B5EF4-FFF2-40B4-BE49-F238E27FC236}">
+                <a16:creationId xmlns:a16="http://schemas.microsoft.com/office/drawing/2014/main" id="{633E64D4-EB36-7EFF-3E6B-C332698D3AD6}"/>
+              </a:ext>
+            </a:extLst>
+          </p:cNvPr>
+          <p:cNvSpPr txBox="1"/>
+          <p:nvPr/>
+        </p:nvSpPr>
+        <p:spPr>
+          <a:xfrm>
+            <a:off x="5450306" y="1004635"/>
+            <a:ext cx="1107996" cy="369332"/>
+          </a:xfrm>
+          <a:prstGeom prst="rect">
+            <a:avLst/>
+          </a:prstGeom>
+          <a:noFill/>
+        </p:spPr>
+        <p:txBody>
+          <a:bodyPr wrap="none" rtlCol="0">
+            <a:spAutoFit/>
+          </a:bodyPr>
+          <a:lstStyle/>
+          <a:p>
+            <a:r>
+              <a:rPr lang="zh-CN" altLang="en-US" b="1" dirty="0"/>
+              <a:t>多维数组</a:t>
+            </a:r>
+            <a:endParaRPr lang="en-US" b="1" dirty="0"/>
+          </a:p>
+        </p:txBody>
+      </p:sp>
+      <p:pic>
+        <p:nvPicPr>
+          <p:cNvPr id="19" name="Picture 18">
+            <a:extLst>
+              <a:ext uri="{FF2B5EF4-FFF2-40B4-BE49-F238E27FC236}">
+                <a16:creationId xmlns:a16="http://schemas.microsoft.com/office/drawing/2014/main" id="{EE5347E3-193B-3851-6760-4EA5C0014F01}"/>
+              </a:ext>
+            </a:extLst>
+          </p:cNvPr>
+          <p:cNvPicPr>
+            <a:picLocks noChangeAspect="1"/>
+          </p:cNvPicPr>
+          <p:nvPr/>
+        </p:nvPicPr>
+        <p:blipFill>
+          <a:blip r:embed="rId2"/>
+          <a:stretch>
+            <a:fillRect/>
+          </a:stretch>
+        </p:blipFill>
+        <p:spPr>
+          <a:xfrm>
+            <a:off x="5450306" y="1580498"/>
+            <a:ext cx="4201111" cy="3648584"/>
+          </a:xfrm>
+          <a:prstGeom prst="rect">
+            <a:avLst/>
+          </a:prstGeom>
+        </p:spPr>
+      </p:pic>
+      <p:pic>
+        <p:nvPicPr>
+          <p:cNvPr id="21" name="Picture 20">
+            <a:extLst>
+              <a:ext uri="{FF2B5EF4-FFF2-40B4-BE49-F238E27FC236}">
+                <a16:creationId xmlns:a16="http://schemas.microsoft.com/office/drawing/2014/main" id="{218ABD09-42CA-C597-FFD1-D768A6945A19}"/>
+              </a:ext>
+            </a:extLst>
+          </p:cNvPr>
+          <p:cNvPicPr>
+            <a:picLocks noChangeAspect="1"/>
+          </p:cNvPicPr>
+          <p:nvPr/>
+        </p:nvPicPr>
+        <p:blipFill>
+          <a:blip r:embed="rId3"/>
+          <a:stretch>
+            <a:fillRect/>
+          </a:stretch>
+        </p:blipFill>
+        <p:spPr>
+          <a:xfrm>
+            <a:off x="7620480" y="4471739"/>
+            <a:ext cx="3753374" cy="1514686"/>
+          </a:xfrm>
+          <a:prstGeom prst="rect">
+            <a:avLst/>
+          </a:prstGeom>
+        </p:spPr>
+      </p:pic>
+      <p:pic>
+        <p:nvPicPr>
+          <p:cNvPr id="25" name="Picture 24">
+            <a:extLst>
+              <a:ext uri="{FF2B5EF4-FFF2-40B4-BE49-F238E27FC236}">
+                <a16:creationId xmlns:a16="http://schemas.microsoft.com/office/drawing/2014/main" id="{D69AC617-F195-65DD-2EE3-11F734394363}"/>
+              </a:ext>
+            </a:extLst>
+          </p:cNvPr>
+          <p:cNvPicPr>
+            <a:picLocks noChangeAspect="1"/>
+          </p:cNvPicPr>
+          <p:nvPr/>
+        </p:nvPicPr>
+        <p:blipFill>
+          <a:blip r:embed="rId4"/>
+          <a:stretch>
+            <a:fillRect/>
+          </a:stretch>
+        </p:blipFill>
+        <p:spPr>
+          <a:xfrm>
+            <a:off x="830607" y="1575649"/>
+            <a:ext cx="3419952" cy="3381847"/>
+          </a:xfrm>
+          <a:prstGeom prst="rect">
+            <a:avLst/>
+          </a:prstGeom>
+        </p:spPr>
+      </p:pic>
+      <p:pic>
+        <p:nvPicPr>
+          <p:cNvPr id="27" name="Picture 26">
+            <a:extLst>
+              <a:ext uri="{FF2B5EF4-FFF2-40B4-BE49-F238E27FC236}">
+                <a16:creationId xmlns:a16="http://schemas.microsoft.com/office/drawing/2014/main" id="{ACBDBADD-F4BD-E71D-E029-5FD43C05B740}"/>
+              </a:ext>
+            </a:extLst>
+          </p:cNvPr>
+          <p:cNvPicPr>
+            <a:picLocks noChangeAspect="1"/>
+          </p:cNvPicPr>
+          <p:nvPr/>
+        </p:nvPicPr>
+        <p:blipFill>
+          <a:blip r:embed="rId5"/>
+          <a:stretch>
+            <a:fillRect/>
+          </a:stretch>
+        </p:blipFill>
+        <p:spPr>
+          <a:xfrm>
+            <a:off x="1689841" y="4695607"/>
+            <a:ext cx="4267796" cy="1066949"/>
+          </a:xfrm>
+          <a:prstGeom prst="rect">
+            <a:avLst/>
+          </a:prstGeom>
+        </p:spPr>
+      </p:pic>
+      <p:sp>
+        <p:nvSpPr>
+          <p:cNvPr id="29" name="TextBox 28">
+            <a:extLst>
+              <a:ext uri="{FF2B5EF4-FFF2-40B4-BE49-F238E27FC236}">
+                <a16:creationId xmlns:a16="http://schemas.microsoft.com/office/drawing/2014/main" id="{9489CE3D-155E-FF48-45F4-F4507B7DB3C5}"/>
+              </a:ext>
+            </a:extLst>
+          </p:cNvPr>
+          <p:cNvSpPr txBox="1"/>
+          <p:nvPr/>
+        </p:nvSpPr>
+        <p:spPr>
+          <a:xfrm>
+            <a:off x="439153" y="348916"/>
+            <a:ext cx="1415772" cy="461665"/>
+          </a:xfrm>
+          <a:prstGeom prst="rect">
+            <a:avLst/>
+          </a:prstGeom>
+          <a:noFill/>
+        </p:spPr>
+        <p:txBody>
+          <a:bodyPr wrap="none" rtlCol="0">
+            <a:spAutoFit/>
+          </a:bodyPr>
+          <a:lstStyle/>
+          <a:p>
+            <a:r>
+              <a:rPr lang="zh-CN" altLang="en-US" sz="2400" dirty="0"/>
+              <a:t>复合类型</a:t>
+            </a:r>
+            <a:endParaRPr lang="en-US" sz="2400" dirty="0"/>
+          </a:p>
+        </p:txBody>
+      </p:sp>
+      <p:sp>
+        <p:nvSpPr>
+          <p:cNvPr id="30" name="TextBox 29">
+            <a:extLst>
+              <a:ext uri="{FF2B5EF4-FFF2-40B4-BE49-F238E27FC236}">
+                <a16:creationId xmlns:a16="http://schemas.microsoft.com/office/drawing/2014/main" id="{01AE3DD5-AC2B-5849-FE9B-AD68B6C39C31}"/>
+              </a:ext>
+            </a:extLst>
+          </p:cNvPr>
+          <p:cNvSpPr txBox="1"/>
+          <p:nvPr/>
+        </p:nvSpPr>
+        <p:spPr>
+          <a:xfrm>
+            <a:off x="956510" y="1004635"/>
+            <a:ext cx="1606722" cy="369332"/>
+          </a:xfrm>
+          <a:prstGeom prst="rect">
+            <a:avLst/>
+          </a:prstGeom>
+          <a:noFill/>
+        </p:spPr>
+        <p:txBody>
+          <a:bodyPr wrap="none" rtlCol="0">
+            <a:spAutoFit/>
+          </a:bodyPr>
+          <a:lstStyle/>
+          <a:p>
+            <a:r>
+              <a:rPr lang="zh-CN" altLang="en-US" b="1" dirty="0"/>
+              <a:t>访问数组元素</a:t>
+            </a:r>
+            <a:endParaRPr lang="en-US" b="1" dirty="0"/>
+          </a:p>
+        </p:txBody>
+      </p:sp>
+    </p:spTree>
+    <p:extLst>
+      <p:ext uri="{BB962C8B-B14F-4D97-AF65-F5344CB8AC3E}">
+        <p14:creationId xmlns:p14="http://schemas.microsoft.com/office/powerpoint/2010/main" val="367400493"/>
       </p:ext>
     </p:extLst>
   </p:cSld>
